--- a/SE-227/slides/CSE-29 Isolation - Virtual Machine.pptx
+++ b/SE-227/slides/CSE-29 Isolation - Virtual Machine.pptx
@@ -256,7 +256,7 @@
           <a:p>
             <a:fld id="{FD384E5B-0B7C-A143-A087-04B582FC4BEF}" type="datetimeFigureOut">
               <a:rPr kumimoji="1" lang="zh-CN" altLang="en-US" smtClean="0"/>
-              <a:t>2019/12/24</a:t>
+              <a:t>2019/12/30</a:t>
             </a:fld>
             <a:endParaRPr kumimoji="1" lang="zh-CN" altLang="en-US"/>
           </a:p>
@@ -421,7 +421,7 @@
           <a:p>
             <a:fld id="{A2D7DB94-E0DE-4F0F-A9B7-54654CD8C8B1}" type="datetimeFigureOut">
               <a:rPr lang="zh-CN" altLang="en-US" smtClean="0"/>
-              <a:t>2019/12/24</a:t>
+              <a:t>2019/12/30</a:t>
             </a:fld>
             <a:endParaRPr lang="zh-CN" altLang="en-US"/>
           </a:p>
@@ -1640,7 +1640,7 @@
           <a:p>
             <a:fld id="{66A7A40B-EA42-4A59-BDB5-85EFA65BC5FC}" type="datetimeFigureOut">
               <a:rPr lang="zh-CN" altLang="en-US" smtClean="0"/>
-              <a:t>2019/12/24</a:t>
+              <a:t>2019/12/30</a:t>
             </a:fld>
             <a:endParaRPr lang="zh-CN" altLang="en-US" dirty="0"/>
           </a:p>
@@ -1808,7 +1808,7 @@
           <a:p>
             <a:fld id="{66A7A40B-EA42-4A59-BDB5-85EFA65BC5FC}" type="datetimeFigureOut">
               <a:rPr lang="zh-CN" altLang="en-US" smtClean="0"/>
-              <a:t>2019/12/24</a:t>
+              <a:t>2019/12/30</a:t>
             </a:fld>
             <a:endParaRPr lang="zh-CN" altLang="en-US"/>
           </a:p>
@@ -1986,7 +1986,7 @@
           <a:p>
             <a:fld id="{66A7A40B-EA42-4A59-BDB5-85EFA65BC5FC}" type="datetimeFigureOut">
               <a:rPr lang="zh-CN" altLang="en-US" smtClean="0"/>
-              <a:t>2019/12/24</a:t>
+              <a:t>2019/12/30</a:t>
             </a:fld>
             <a:endParaRPr lang="zh-CN" altLang="en-US"/>
           </a:p>
@@ -2222,7 +2222,7 @@
           <a:p>
             <a:fld id="{66A7A40B-EA42-4A59-BDB5-85EFA65BC5FC}" type="datetimeFigureOut">
               <a:rPr lang="zh-CN" altLang="en-US" smtClean="0"/>
-              <a:t>2019/12/24</a:t>
+              <a:t>2019/12/30</a:t>
             </a:fld>
             <a:endParaRPr lang="zh-CN" altLang="en-US"/>
           </a:p>
@@ -2514,7 +2514,7 @@
           <a:p>
             <a:fld id="{66A7A40B-EA42-4A59-BDB5-85EFA65BC5FC}" type="datetimeFigureOut">
               <a:rPr lang="zh-CN" altLang="en-US" smtClean="0"/>
-              <a:t>2019/12/24</a:t>
+              <a:t>2019/12/30</a:t>
             </a:fld>
             <a:endParaRPr lang="zh-CN" altLang="en-US"/>
           </a:p>
@@ -2845,7 +2845,7 @@
           <a:p>
             <a:fld id="{66A7A40B-EA42-4A59-BDB5-85EFA65BC5FC}" type="datetimeFigureOut">
               <a:rPr lang="zh-CN" altLang="en-US" smtClean="0"/>
-              <a:t>2019/12/24</a:t>
+              <a:t>2019/12/30</a:t>
             </a:fld>
             <a:endParaRPr lang="zh-CN" altLang="en-US"/>
           </a:p>
@@ -3264,7 +3264,7 @@
           <a:p>
             <a:fld id="{66A7A40B-EA42-4A59-BDB5-85EFA65BC5FC}" type="datetimeFigureOut">
               <a:rPr lang="zh-CN" altLang="en-US" smtClean="0"/>
-              <a:t>2019/12/24</a:t>
+              <a:t>2019/12/30</a:t>
             </a:fld>
             <a:endParaRPr lang="zh-CN" altLang="en-US"/>
           </a:p>
@@ -3381,7 +3381,7 @@
           <a:p>
             <a:fld id="{66A7A40B-EA42-4A59-BDB5-85EFA65BC5FC}" type="datetimeFigureOut">
               <a:rPr lang="zh-CN" altLang="en-US" smtClean="0"/>
-              <a:t>2019/12/24</a:t>
+              <a:t>2019/12/30</a:t>
             </a:fld>
             <a:endParaRPr lang="zh-CN" altLang="en-US"/>
           </a:p>
@@ -3476,7 +3476,7 @@
           <a:p>
             <a:fld id="{66A7A40B-EA42-4A59-BDB5-85EFA65BC5FC}" type="datetimeFigureOut">
               <a:rPr lang="zh-CN" altLang="en-US" smtClean="0"/>
-              <a:t>2019/12/24</a:t>
+              <a:t>2019/12/30</a:t>
             </a:fld>
             <a:endParaRPr lang="zh-CN" altLang="en-US"/>
           </a:p>
@@ -3751,7 +3751,7 @@
           <a:p>
             <a:fld id="{66A7A40B-EA42-4A59-BDB5-85EFA65BC5FC}" type="datetimeFigureOut">
               <a:rPr lang="zh-CN" altLang="en-US" smtClean="0"/>
-              <a:t>2019/12/24</a:t>
+              <a:t>2019/12/30</a:t>
             </a:fld>
             <a:endParaRPr lang="zh-CN" altLang="en-US"/>
           </a:p>
@@ -4006,7 +4006,7 @@
           <a:p>
             <a:fld id="{66A7A40B-EA42-4A59-BDB5-85EFA65BC5FC}" type="datetimeFigureOut">
               <a:rPr lang="zh-CN" altLang="en-US" smtClean="0"/>
-              <a:t>2019/12/24</a:t>
+              <a:t>2019/12/30</a:t>
             </a:fld>
             <a:endParaRPr lang="zh-CN" altLang="en-US"/>
           </a:p>
@@ -4221,7 +4221,7 @@
             <a:fld id="{66A7A40B-EA42-4A59-BDB5-85EFA65BC5FC}" type="datetimeFigureOut">
               <a:rPr lang="zh-CN" altLang="en-US" smtClean="0"/>
               <a:pPr/>
-              <a:t>2019/12/24</a:t>
+              <a:t>2019/12/30</a:t>
             </a:fld>
             <a:endParaRPr lang="zh-CN" altLang="en-US" dirty="0"/>
           </a:p>
@@ -4888,7 +4888,7 @@
           <a:noFill/>
           <a:extLst>
             <a:ext uri="{909E8E84-426E-40dd-AFC4-6F175D3DCCD1}">
-              <a14:hiddenFill xmlns:a14="http://schemas.microsoft.com/office/drawing/2010/main" xmlns="">
+              <a14:hiddenFill xmlns="" xmlns:a14="http://schemas.microsoft.com/office/drawing/2010/main">
                 <a:solidFill>
                   <a:srgbClr val="FFFFFF"/>
                 </a:solidFill>
@@ -38751,11 +38751,14 @@
               </a:rPr>
               <a:t>process?</a:t>
             </a:r>
-            <a:endParaRPr kumimoji="1" lang="zh-CN" altLang="en-US" dirty="0">
-              <a:solidFill>
-                <a:srgbClr val="0096FF"/>
-              </a:solidFill>
-            </a:endParaRPr>
+            <a:r>
+              <a:rPr kumimoji="1" lang="zh-CN" altLang="en-US" dirty="0">
+                <a:solidFill>
+                  <a:srgbClr val="0096FF"/>
+                </a:solidFill>
+              </a:rPr>
+              <a:t> </a:t>
+            </a:r>
           </a:p>
         </p:txBody>
       </p:sp>
